--- a/毕设答辩.pptx
+++ b/毕设答辩.pptx
@@ -7581,13 +7581,6 @@
               </a:rPr>
               <a:t>西安电子科技大学</a:t>
             </a:r>
-            <a:endParaRPr lang="zh-CN" altLang="en-US" dirty="0">
-              <a:solidFill>
-                <a:srgbClr val="000000"/>
-              </a:solidFill>
-              <a:latin typeface="Segoe UI"/>
-              <a:ea typeface="微软雅黑"/>
-            </a:endParaRPr>
           </a:p>
         </p:txBody>
       </p:sp>
@@ -7784,7 +7777,7 @@
           <p:nvPr>
             <p:extLst>
               <p:ext uri="{D42A27DB-BD31-4B8C-83A1-F6EECF244321}">
-                <p14:modId xmlns:p14="http://schemas.microsoft.com/office/powerpoint/2010/main" val="3751796519"/>
+                <p14:modId xmlns:p14="http://schemas.microsoft.com/office/powerpoint/2010/main" val="4214996193"/>
               </p:ext>
             </p:extLst>
           </p:nvPr>
@@ -7801,35 +7794,35 @@
                 <a:gridCol w="1384935">
                   <a:extLst>
                     <a:ext uri="{9D8B030D-6E8A-4147-A177-3AD203B41FA5}">
-                      <a16:colId xmlns:a16="http://schemas.microsoft.com/office/drawing/2014/main" xmlns="" val="14830518"/>
+                      <a16:colId xmlns="" xmlns:a16="http://schemas.microsoft.com/office/drawing/2014/main" val="14830518"/>
                     </a:ext>
                   </a:extLst>
                 </a:gridCol>
                 <a:gridCol w="1384935">
                   <a:extLst>
                     <a:ext uri="{9D8B030D-6E8A-4147-A177-3AD203B41FA5}">
-                      <a16:colId xmlns:a16="http://schemas.microsoft.com/office/drawing/2014/main" xmlns="" val="1306310516"/>
+                      <a16:colId xmlns="" xmlns:a16="http://schemas.microsoft.com/office/drawing/2014/main" val="1306310516"/>
                     </a:ext>
                   </a:extLst>
                 </a:gridCol>
                 <a:gridCol w="1384935">
                   <a:extLst>
                     <a:ext uri="{9D8B030D-6E8A-4147-A177-3AD203B41FA5}">
-                      <a16:colId xmlns:a16="http://schemas.microsoft.com/office/drawing/2014/main" xmlns="" val="764643663"/>
+                      <a16:colId xmlns="" xmlns:a16="http://schemas.microsoft.com/office/drawing/2014/main" val="764643663"/>
                     </a:ext>
                   </a:extLst>
                 </a:gridCol>
                 <a:gridCol w="1384935">
                   <a:extLst>
                     <a:ext uri="{9D8B030D-6E8A-4147-A177-3AD203B41FA5}">
-                      <a16:colId xmlns:a16="http://schemas.microsoft.com/office/drawing/2014/main" xmlns="" val="395337221"/>
+                      <a16:colId xmlns="" xmlns:a16="http://schemas.microsoft.com/office/drawing/2014/main" val="395337221"/>
                     </a:ext>
                   </a:extLst>
                 </a:gridCol>
                 <a:gridCol w="1384935">
                   <a:extLst>
                     <a:ext uri="{9D8B030D-6E8A-4147-A177-3AD203B41FA5}">
-                      <a16:colId xmlns:a16="http://schemas.microsoft.com/office/drawing/2014/main" xmlns="" val="3835576740"/>
+                      <a16:colId xmlns="" xmlns:a16="http://schemas.microsoft.com/office/drawing/2014/main" val="3835576740"/>
                     </a:ext>
                   </a:extLst>
                 </a:gridCol>
@@ -8174,7 +8167,7 @@
                 </a:tc>
                 <a:extLst>
                   <a:ext uri="{0D108BD9-81ED-4DB2-BD59-A6C34878D82A}">
-                    <a16:rowId xmlns:a16="http://schemas.microsoft.com/office/drawing/2014/main" xmlns="" val="628566470"/>
+                    <a16:rowId xmlns="" xmlns:a16="http://schemas.microsoft.com/office/drawing/2014/main" val="628566470"/>
                   </a:ext>
                 </a:extLst>
               </a:tr>
@@ -8330,7 +8323,11 @@
                     <a:p>
                       <a:r>
                         <a:rPr lang="en-US" altLang="zh-CN" dirty="0" smtClean="0"/>
-                        <a:t>Fedora 22</a:t>
+                        <a:t>Fedora </a:t>
+                      </a:r>
+                      <a:r>
+                        <a:rPr lang="en-US" altLang="zh-CN" dirty="0" smtClean="0"/>
+                        <a:t>20</a:t>
                       </a:r>
                       <a:endParaRPr lang="zh-CN" altLang="en-US" dirty="0"/>
                     </a:p>
@@ -8521,7 +8518,7 @@
                 </a:tc>
                 <a:extLst>
                   <a:ext uri="{0D108BD9-81ED-4DB2-BD59-A6C34878D82A}">
-                    <a16:rowId xmlns:a16="http://schemas.microsoft.com/office/drawing/2014/main" xmlns="" val="2927475679"/>
+                    <a16:rowId xmlns="" xmlns:a16="http://schemas.microsoft.com/office/drawing/2014/main" val="2927475679"/>
                   </a:ext>
                 </a:extLst>
               </a:tr>
@@ -8652,16 +8649,6 @@
                         </a:rPr>
                         <a:t>IDE</a:t>
                       </a:r>
-                      <a:endParaRPr lang="en-US" altLang="zh-CN" sz="1400" b="0" dirty="0" smtClean="0">
-                        <a:solidFill>
-                          <a:schemeClr val="tx1">
-                            <a:lumMod val="85000"/>
-                            <a:lumOff val="15000"/>
-                          </a:schemeClr>
-                        </a:solidFill>
-                        <a:latin typeface="+mn-lt"/>
-                        <a:cs typeface="Segoe UI Light" pitchFamily="34" charset="0"/>
-                      </a:endParaRPr>
                     </a:p>
                   </a:txBody>
                   <a:tcPr marL="85620" marR="85620" marT="42810" marB="42810" anchor="ctr">
@@ -8890,7 +8877,7 @@
                 </a:tc>
                 <a:extLst>
                   <a:ext uri="{0D108BD9-81ED-4DB2-BD59-A6C34878D82A}">
-                    <a16:rowId xmlns:a16="http://schemas.microsoft.com/office/drawing/2014/main" xmlns="" val="4020837829"/>
+                    <a16:rowId xmlns="" xmlns:a16="http://schemas.microsoft.com/office/drawing/2014/main" val="4020837829"/>
                   </a:ext>
                 </a:extLst>
               </a:tr>
@@ -9021,16 +9008,6 @@
                         </a:rPr>
                         <a:t>Maven</a:t>
                       </a:r>
-                      <a:endParaRPr lang="en-US" altLang="zh-CN" sz="1400" b="0" dirty="0" smtClean="0">
-                        <a:solidFill>
-                          <a:schemeClr val="tx1">
-                            <a:lumMod val="85000"/>
-                            <a:lumOff val="15000"/>
-                          </a:schemeClr>
-                        </a:solidFill>
-                        <a:latin typeface="+mn-lt"/>
-                        <a:cs typeface="Segoe UI Light" pitchFamily="34" charset="0"/>
-                      </a:endParaRPr>
                     </a:p>
                   </a:txBody>
                   <a:tcPr marL="85620" marR="85620" marT="42810" marB="42810" anchor="ctr">
@@ -9255,7 +9232,7 @@
                 </a:tc>
                 <a:extLst>
                   <a:ext uri="{0D108BD9-81ED-4DB2-BD59-A6C34878D82A}">
-                    <a16:rowId xmlns:a16="http://schemas.microsoft.com/office/drawing/2014/main" xmlns="" val="91716858"/>
+                    <a16:rowId xmlns="" xmlns:a16="http://schemas.microsoft.com/office/drawing/2014/main" val="91716858"/>
                   </a:ext>
                 </a:extLst>
               </a:tr>
@@ -9386,16 +9363,6 @@
                         </a:rPr>
                         <a:t>Storm</a:t>
                       </a:r>
-                      <a:endParaRPr lang="en-US" altLang="zh-CN" sz="1400" b="0" dirty="0" smtClean="0">
-                        <a:solidFill>
-                          <a:schemeClr val="tx1">
-                            <a:lumMod val="85000"/>
-                            <a:lumOff val="15000"/>
-                          </a:schemeClr>
-                        </a:solidFill>
-                        <a:latin typeface="+mn-lt"/>
-                        <a:cs typeface="Segoe UI Light" pitchFamily="34" charset="0"/>
-                      </a:endParaRPr>
                     </a:p>
                   </a:txBody>
                   <a:tcPr marL="85620" marR="85620" marT="42810" marB="42810" anchor="ctr">
@@ -9619,7 +9586,7 @@
                 </a:tc>
                 <a:extLst>
                   <a:ext uri="{0D108BD9-81ED-4DB2-BD59-A6C34878D82A}">
-                    <a16:rowId xmlns:a16="http://schemas.microsoft.com/office/drawing/2014/main" xmlns="" val="2209081677"/>
+                    <a16:rowId xmlns="" xmlns:a16="http://schemas.microsoft.com/office/drawing/2014/main" val="2209081677"/>
                   </a:ext>
                 </a:extLst>
               </a:tr>
@@ -9659,16 +9626,6 @@
                         </a:rPr>
                         <a:t>Tomcat</a:t>
                       </a:r>
-                      <a:endParaRPr lang="en-US" altLang="zh-CN" sz="1400" b="0" dirty="0" smtClean="0">
-                        <a:solidFill>
-                          <a:schemeClr val="tx1">
-                            <a:lumMod val="85000"/>
-                            <a:lumOff val="15000"/>
-                          </a:schemeClr>
-                        </a:solidFill>
-                        <a:latin typeface="+mn-lt"/>
-                        <a:cs typeface="Segoe UI Light" pitchFamily="34" charset="0"/>
-                      </a:endParaRPr>
                     </a:p>
                   </a:txBody>
                   <a:tcPr marL="85620" marR="85620" marT="42810" marB="42810" anchor="ctr">
@@ -10683,13 +10640,13 @@
   <p:clrMapOvr>
     <a:masterClrMapping/>
   </p:clrMapOvr>
-  <mc:AlternateContent xmlns:mc="http://schemas.openxmlformats.org/markup-compatibility/2006">
-    <mc:Choice xmlns:p14="http://schemas.microsoft.com/office/powerpoint/2010/main" Requires="p14">
+  <mc:AlternateContent xmlns:mc="http://schemas.openxmlformats.org/markup-compatibility/2006" xmlns:p14="http://schemas.microsoft.com/office/powerpoint/2010/main">
+    <mc:Choice Requires="p14">
       <p:transition spd="med" p14:dur="700">
         <p:fade/>
       </p:transition>
     </mc:Choice>
-    <mc:Fallback>
+    <mc:Fallback xmlns="">
       <p:transition spd="med">
         <p:fade/>
       </p:transition>
@@ -10838,13 +10795,13 @@
   <p:clrMapOvr>
     <a:masterClrMapping/>
   </p:clrMapOvr>
-  <mc:AlternateContent xmlns:mc="http://schemas.openxmlformats.org/markup-compatibility/2006">
-    <mc:Choice xmlns:p14="http://schemas.microsoft.com/office/powerpoint/2010/main" Requires="p14">
+  <mc:AlternateContent xmlns:mc="http://schemas.openxmlformats.org/markup-compatibility/2006" xmlns:p14="http://schemas.microsoft.com/office/powerpoint/2010/main">
+    <mc:Choice Requires="p14">
       <p:transition spd="med" p14:dur="700">
         <p:fade/>
       </p:transition>
     </mc:Choice>
-    <mc:Fallback>
+    <mc:Fallback xmlns="">
       <p:transition spd="med">
         <p:fade/>
       </p:transition>
@@ -11267,13 +11224,13 @@
   <p:clrMapOvr>
     <a:masterClrMapping/>
   </p:clrMapOvr>
-  <mc:AlternateContent xmlns:mc="http://schemas.openxmlformats.org/markup-compatibility/2006">
-    <mc:Choice xmlns:p14="http://schemas.microsoft.com/office/powerpoint/2010/main" Requires="p14">
+  <mc:AlternateContent xmlns:mc="http://schemas.openxmlformats.org/markup-compatibility/2006" xmlns:p14="http://schemas.microsoft.com/office/powerpoint/2010/main">
+    <mc:Choice Requires="p14">
       <p:transition spd="med" p14:dur="700">
         <p:fade/>
       </p:transition>
     </mc:Choice>
-    <mc:Fallback>
+    <mc:Fallback xmlns="">
       <p:transition spd="med">
         <p:fade/>
       </p:transition>
@@ -11335,11 +11292,7 @@
             </a:r>
             <a:r>
               <a:rPr kumimoji="1" lang="zh-CN" altLang="en-US" dirty="0" smtClean="0"/>
-              <a:t> </a:t>
-            </a:r>
-            <a:r>
-              <a:rPr kumimoji="1" lang="zh-CN" altLang="en-US" dirty="0" smtClean="0"/>
-              <a:t>系统实现</a:t>
+              <a:t> 系统实现</a:t>
             </a:r>
             <a:endParaRPr kumimoji="1" lang="zh-CN" altLang="en-US" dirty="0"/>
           </a:p>
@@ -11827,7 +11780,7 @@
         <p:spPr>
           <a:xfrm>
             <a:off x="1137421" y="2039830"/>
-            <a:ext cx="2945629" cy="1052596"/>
+            <a:ext cx="2945629" cy="1492716"/>
           </a:xfrm>
           <a:prstGeom prst="rect">
             <a:avLst/>
@@ -11845,7 +11798,7 @@
               </a:lnSpc>
             </a:pPr>
             <a:r>
-              <a:rPr lang="zh-CN" altLang="en-US" sz="1200" dirty="0">
+              <a:rPr lang="zh-CN" altLang="en-US" sz="1400" dirty="0">
                 <a:solidFill>
                   <a:srgbClr val="FFFFFF">
                     <a:lumMod val="50000"/>
@@ -11856,15 +11809,6 @@
               </a:rPr>
               <a:t>用户建模解决的是不同用户的特征差异。使用基本信息对用户的音乐品味进。行划分。一个成功的音乐推荐系统需要对不同的用户提供满足其不同相应需求的音乐</a:t>
             </a:r>
-            <a:endParaRPr lang="zh-CN" altLang="en-US" sz="1200" dirty="0">
-              <a:solidFill>
-                <a:srgbClr val="FFFFFF">
-                  <a:lumMod val="50000"/>
-                </a:srgbClr>
-              </a:solidFill>
-              <a:latin typeface="微软雅黑" charset="0"/>
-              <a:ea typeface="微软雅黑" charset="0"/>
-            </a:endParaRPr>
           </a:p>
         </p:txBody>
       </p:sp>
@@ -12177,7 +12121,7 @@
         <p:spPr>
           <a:xfrm>
             <a:off x="1137421" y="4389354"/>
-            <a:ext cx="2945629" cy="1269258"/>
+            <a:ext cx="2945629" cy="1772793"/>
           </a:xfrm>
           <a:prstGeom prst="rect">
             <a:avLst/>
@@ -12195,7 +12139,7 @@
               </a:lnSpc>
             </a:pPr>
             <a:r>
-              <a:rPr lang="zh-CN" altLang="en-US" sz="1200" dirty="0">
+              <a:rPr lang="zh-CN" altLang="en-US" sz="1400" dirty="0">
                 <a:solidFill>
                   <a:srgbClr val="FFFFFF">
                     <a:lumMod val="50000"/>
@@ -12206,15 +12150,6 @@
               </a:rPr>
               <a:t>研究音乐本身的属性。首先音乐的分布者会给音乐一些标签，包括专辑名称、作曲家、标题、流派等等。还有就是对音乐的音频信号进行分析，包括节拍，节奏，高音，乐器，心情等。</a:t>
             </a:r>
-            <a:endParaRPr lang="zh-CN" altLang="en-US" sz="1200" dirty="0">
-              <a:solidFill>
-                <a:srgbClr val="FFFFFF">
-                  <a:lumMod val="50000"/>
-                </a:srgbClr>
-              </a:solidFill>
-              <a:latin typeface="微软雅黑" charset="0"/>
-              <a:ea typeface="微软雅黑" charset="0"/>
-            </a:endParaRPr>
           </a:p>
         </p:txBody>
       </p:sp>
@@ -12527,7 +12462,7 @@
         <p:spPr>
           <a:xfrm>
             <a:off x="8392055" y="2039830"/>
-            <a:ext cx="2945629" cy="1292662"/>
+            <a:ext cx="2945629" cy="1492716"/>
           </a:xfrm>
           <a:prstGeom prst="rect">
             <a:avLst/>
@@ -12545,7 +12480,7 @@
               </a:lnSpc>
             </a:pPr>
             <a:r>
-              <a:rPr lang="zh-CN" altLang="en-US" sz="1200" dirty="0" smtClean="0">
+              <a:rPr lang="zh-CN" altLang="en-US" sz="1400" dirty="0" smtClean="0">
                 <a:solidFill>
                   <a:srgbClr val="FFFFFF">
                     <a:lumMod val="50000"/>
@@ -12557,7 +12492,7 @@
               <a:t>根据</a:t>
             </a:r>
             <a:r>
-              <a:rPr lang="zh-CN" altLang="en-US" sz="1200" dirty="0">
+              <a:rPr lang="zh-CN" altLang="en-US" sz="1400" dirty="0">
                 <a:solidFill>
                   <a:srgbClr val="FFFFFF">
                     <a:lumMod val="50000"/>
@@ -12569,7 +12504,7 @@
               <a:t>歌曲</a:t>
             </a:r>
             <a:r>
-              <a:rPr lang="zh-CN" altLang="en-US" sz="1200" dirty="0" smtClean="0">
+              <a:rPr lang="zh-CN" altLang="en-US" sz="1400" dirty="0" smtClean="0">
                 <a:solidFill>
                   <a:srgbClr val="FFFFFF">
                     <a:lumMod val="50000"/>
@@ -12581,7 +12516,7 @@
               <a:t>和用户已经</a:t>
             </a:r>
             <a:r>
-              <a:rPr lang="zh-CN" altLang="en-US" sz="1200" dirty="0">
+              <a:rPr lang="zh-CN" altLang="en-US" sz="1400" dirty="0">
                 <a:solidFill>
                   <a:srgbClr val="FFFFFF">
                     <a:lumMod val="50000"/>
@@ -12593,7 +12528,7 @@
               <a:t>听到过的歌曲进行比较相似度， 推荐与用户听过历史歌曲具有相似度的</a:t>
             </a:r>
             <a:r>
-              <a:rPr lang="zh-CN" altLang="en-US" sz="1200" dirty="0" smtClean="0">
+              <a:rPr lang="zh-CN" altLang="en-US" sz="1400" dirty="0" smtClean="0">
                 <a:solidFill>
                   <a:srgbClr val="FFFFFF">
                     <a:lumMod val="50000"/>
@@ -12605,7 +12540,7 @@
               <a:t>歌曲</a:t>
             </a:r>
             <a:r>
-              <a:rPr lang="zh-CN" altLang="en-US" sz="1200" dirty="0">
+              <a:rPr lang="zh-CN" altLang="en-US" sz="1400" dirty="0">
                 <a:solidFill>
                   <a:srgbClr val="FFFFFF">
                     <a:lumMod val="50000"/>
@@ -12617,7 +12552,7 @@
               <a:t>。</a:t>
             </a:r>
             <a:r>
-              <a:rPr lang="zh-CN" altLang="en-US" sz="1200" dirty="0" smtClean="0">
+              <a:rPr lang="zh-CN" altLang="en-US" sz="1400" dirty="0" smtClean="0">
                 <a:solidFill>
                   <a:srgbClr val="FFFFFF">
                     <a:lumMod val="50000"/>
@@ -12629,7 +12564,7 @@
               <a:t>主要</a:t>
             </a:r>
             <a:r>
-              <a:rPr lang="zh-CN" altLang="en-US" sz="1200" dirty="0">
+              <a:rPr lang="zh-CN" altLang="en-US" sz="1400" dirty="0">
                 <a:solidFill>
                   <a:srgbClr val="FFFFFF">
                     <a:lumMod val="50000"/>
@@ -12641,7 +12576,7 @@
               <a:t>是提取歌曲</a:t>
             </a:r>
             <a:r>
-              <a:rPr lang="zh-CN" altLang="en-US" sz="1200" dirty="0" smtClean="0">
+              <a:rPr lang="zh-CN" altLang="en-US" sz="1400" dirty="0" smtClean="0">
                 <a:solidFill>
                   <a:srgbClr val="FFFFFF">
                     <a:lumMod val="50000"/>
@@ -12653,7 +12588,7 @@
               <a:t>的</a:t>
             </a:r>
             <a:r>
-              <a:rPr lang="zh-CN" altLang="en-US" sz="1200" dirty="0">
+              <a:rPr lang="zh-CN" altLang="en-US" sz="1400" dirty="0">
                 <a:solidFill>
                   <a:srgbClr val="FFFFFF">
                     <a:lumMod val="50000"/>
@@ -12665,7 +12600,7 @@
               <a:t>特征</a:t>
             </a:r>
             <a:r>
-              <a:rPr lang="zh-CN" altLang="en-US" sz="1200" dirty="0" smtClean="0">
+              <a:rPr lang="zh-CN" altLang="en-US" sz="1400" dirty="0" smtClean="0">
                 <a:solidFill>
                   <a:srgbClr val="FFFFFF">
                     <a:lumMod val="50000"/>
@@ -12677,7 +12612,7 @@
               <a:t>。 </a:t>
             </a:r>
             <a:r>
-              <a:rPr lang="zh-CN" altLang="en-US" sz="1200" dirty="0">
+              <a:rPr lang="zh-CN" altLang="en-US" sz="1400" dirty="0">
                 <a:solidFill>
                   <a:srgbClr val="FFFFFF">
                     <a:lumMod val="50000"/>
@@ -12689,7 +12624,7 @@
               <a:t>然后去度量这些歌曲的距离作为相似度</a:t>
             </a:r>
             <a:r>
-              <a:rPr lang="zh-CN" altLang="en-US" sz="1200" dirty="0" smtClean="0">
+              <a:rPr lang="zh-CN" altLang="en-US" sz="1400" dirty="0" smtClean="0">
                 <a:solidFill>
                   <a:srgbClr val="FFFFFF">
                     <a:lumMod val="50000"/>
@@ -12700,7 +12635,7 @@
               </a:rPr>
               <a:t>度量。</a:t>
             </a:r>
-            <a:endParaRPr lang="zh-CN" altLang="en-US" sz="1200" dirty="0">
+            <a:endParaRPr lang="zh-CN" altLang="en-US" sz="1400" dirty="0">
               <a:solidFill>
                 <a:srgbClr val="FFFFFF">
                   <a:lumMod val="50000"/>
@@ -13021,7 +12956,7 @@
         <p:spPr>
           <a:xfrm>
             <a:off x="8392055" y="4389354"/>
-            <a:ext cx="2945629" cy="1292662"/>
+            <a:ext cx="2945629" cy="1772793"/>
           </a:xfrm>
           <a:prstGeom prst="rect">
             <a:avLst/>
@@ -13039,7 +12974,7 @@
               </a:lnSpc>
             </a:pPr>
             <a:r>
-              <a:rPr lang="zh-CN" altLang="en-US" sz="1200" dirty="0" smtClean="0">
+              <a:rPr lang="zh-CN" altLang="en-US" sz="1400" dirty="0" smtClean="0">
                 <a:solidFill>
                   <a:srgbClr val="FFFFFF">
                     <a:lumMod val="50000"/>
@@ -13048,22 +12983,10 @@
                 <a:latin typeface="微软雅黑" charset="0"/>
                 <a:ea typeface="微软雅黑" charset="0"/>
               </a:rPr>
-              <a:t>由于歌曲很多，所以直接查询速度比较慢。将</a:t>
-            </a:r>
-            <a:r>
-              <a:rPr lang="zh-CN" altLang="en-US" sz="1200" dirty="0" smtClean="0">
-                <a:solidFill>
-                  <a:srgbClr val="FFFFFF">
-                    <a:lumMod val="50000"/>
-                  </a:srgbClr>
-                </a:solidFill>
-                <a:latin typeface="微软雅黑" charset="0"/>
-                <a:ea typeface="微软雅黑" charset="0"/>
-              </a:rPr>
-              <a:t>歌曲编号（即歌曲</a:t>
-            </a:r>
-            <a:r>
-              <a:rPr lang="en-US" altLang="zh-CN" sz="1200" dirty="0" smtClean="0">
+              <a:t>由于歌曲很多，所以直接查询速度比较慢。将歌曲编号（即歌曲</a:t>
+            </a:r>
+            <a:r>
+              <a:rPr lang="en-US" altLang="zh-CN" sz="1400" dirty="0" smtClean="0">
                 <a:solidFill>
                   <a:srgbClr val="FFFFFF">
                     <a:lumMod val="50000"/>
@@ -13075,7 +12998,7 @@
               <a:t>ID</a:t>
             </a:r>
             <a:r>
-              <a:rPr lang="zh-CN" altLang="en-US" sz="1200" dirty="0" smtClean="0">
+              <a:rPr lang="zh-CN" altLang="en-US" sz="1400" dirty="0" smtClean="0">
                 <a:solidFill>
                   <a:srgbClr val="FFFFFF">
                     <a:lumMod val="50000"/>
@@ -13087,7 +13010,7 @@
               <a:t>）和对应的特征、路径存放在</a:t>
             </a:r>
             <a:r>
-              <a:rPr lang="en-US" altLang="zh-CN" sz="1200" dirty="0" err="1" smtClean="0">
+              <a:rPr lang="en-US" altLang="zh-CN" sz="1400" dirty="0" err="1" smtClean="0">
                 <a:solidFill>
                   <a:srgbClr val="FFFFFF">
                     <a:lumMod val="50000"/>
@@ -13099,7 +13022,7 @@
               <a:t>redis</a:t>
             </a:r>
             <a:r>
-              <a:rPr lang="zh-CN" altLang="en-US" sz="1200" dirty="0" smtClean="0">
+              <a:rPr lang="zh-CN" altLang="en-US" sz="1400" dirty="0" smtClean="0">
                 <a:solidFill>
                   <a:srgbClr val="FFFFFF">
                     <a:lumMod val="50000"/>
@@ -13111,7 +13034,7 @@
               <a:t>里面两个不同的表里，根据特征找到歌曲</a:t>
             </a:r>
             <a:r>
-              <a:rPr lang="en-US" altLang="zh-CN" sz="1200" dirty="0" smtClean="0">
+              <a:rPr lang="en-US" altLang="zh-CN" sz="1400" dirty="0" smtClean="0">
                 <a:solidFill>
                   <a:srgbClr val="FFFFFF">
                     <a:lumMod val="50000"/>
@@ -13123,7 +13046,7 @@
               <a:t>id</a:t>
             </a:r>
             <a:r>
-              <a:rPr lang="zh-CN" altLang="en-US" sz="1200" dirty="0" smtClean="0">
+              <a:rPr lang="zh-CN" altLang="en-US" sz="1400" dirty="0" smtClean="0">
                 <a:solidFill>
                   <a:srgbClr val="FFFFFF">
                     <a:lumMod val="50000"/>
@@ -13135,7 +13058,7 @@
               <a:t>，再根据歌曲</a:t>
             </a:r>
             <a:r>
-              <a:rPr lang="en-US" altLang="zh-CN" sz="1200" dirty="0" smtClean="0">
+              <a:rPr lang="en-US" altLang="zh-CN" sz="1400" dirty="0" smtClean="0">
                 <a:solidFill>
                   <a:srgbClr val="FFFFFF">
                     <a:lumMod val="50000"/>
@@ -13147,7 +13070,7 @@
               <a:t>id</a:t>
             </a:r>
             <a:r>
-              <a:rPr lang="zh-CN" altLang="en-US" sz="1200" dirty="0" smtClean="0">
+              <a:rPr lang="zh-CN" altLang="en-US" sz="1400" dirty="0" smtClean="0">
                 <a:solidFill>
                   <a:srgbClr val="FFFFFF">
                     <a:lumMod val="50000"/>
@@ -13158,7 +13081,7 @@
               </a:rPr>
               <a:t>找到路径，然后将路径传给前端显示</a:t>
             </a:r>
-            <a:endParaRPr lang="zh-CN" altLang="en-US" sz="1200" dirty="0">
+            <a:endParaRPr lang="zh-CN" altLang="en-US" sz="1400" dirty="0">
               <a:solidFill>
                 <a:srgbClr val="FFFFFF">
                   <a:lumMod val="50000"/>
@@ -13609,13 +13532,13 @@
   <p:clrMapOvr>
     <a:masterClrMapping/>
   </p:clrMapOvr>
-  <mc:AlternateContent xmlns:mc="http://schemas.openxmlformats.org/markup-compatibility/2006">
-    <mc:Choice xmlns:p14="http://schemas.microsoft.com/office/powerpoint/2010/main" Requires="p14">
+  <mc:AlternateContent xmlns:mc="http://schemas.openxmlformats.org/markup-compatibility/2006" xmlns:p14="http://schemas.microsoft.com/office/powerpoint/2010/main">
+    <mc:Choice Requires="p14">
       <p:transition spd="med" p14:dur="700">
         <p:fade/>
       </p:transition>
     </mc:Choice>
-    <mc:Fallback>
+    <mc:Fallback xmlns="">
       <p:transition spd="med">
         <p:fade/>
       </p:transition>
@@ -13733,7 +13656,7 @@
         <p:spPr>
           <a:xfrm>
             <a:off x="959621" y="2810482"/>
-            <a:ext cx="6550312" cy="308995"/>
+            <a:ext cx="6550312" cy="412421"/>
           </a:xfrm>
           <a:prstGeom prst="rect">
             <a:avLst/>
@@ -13751,7 +13674,7 @@
               </a:lnSpc>
             </a:pPr>
             <a:r>
-              <a:rPr lang="zh-CN" altLang="en-US" sz="1200" dirty="0" smtClean="0">
+              <a:rPr lang="zh-CN" altLang="en-US" sz="1600" dirty="0" smtClean="0">
                 <a:solidFill>
                   <a:srgbClr val="000000">
                     <a:lumMod val="50000"/>
@@ -13764,7 +13687,7 @@
               <a:t>使用</a:t>
             </a:r>
             <a:r>
-              <a:rPr lang="en-US" altLang="zh-CN" sz="1200" dirty="0" smtClean="0">
+              <a:rPr lang="en-US" altLang="zh-CN" sz="1600" dirty="0" smtClean="0">
                 <a:solidFill>
                   <a:srgbClr val="000000">
                     <a:lumMod val="50000"/>
@@ -13774,10 +13697,10 @@
                 <a:latin typeface="微软雅黑" charset="0"/>
                 <a:ea typeface="微软雅黑" charset="0"/>
               </a:rPr>
-              <a:t>T</a:t>
-            </a:r>
-            <a:r>
-              <a:rPr lang="en-US" altLang="zh-CN" sz="1200" dirty="0" smtClean="0">
+              <a:t>Tomcat</a:t>
+            </a:r>
+            <a:r>
+              <a:rPr lang="zh-CN" altLang="en-US" sz="1600" dirty="0" smtClean="0">
                 <a:solidFill>
                   <a:srgbClr val="000000">
                     <a:lumMod val="50000"/>
@@ -13787,22 +13710,9 @@
                 <a:latin typeface="微软雅黑" charset="0"/>
                 <a:ea typeface="微软雅黑" charset="0"/>
               </a:rPr>
-              <a:t>omcat</a:t>
-            </a:r>
-            <a:r>
-              <a:rPr lang="zh-CN" altLang="en-US" sz="1200" dirty="0" smtClean="0">
-                <a:solidFill>
-                  <a:srgbClr val="000000">
-                    <a:lumMod val="50000"/>
-                    <a:lumOff val="50000"/>
-                  </a:srgbClr>
-                </a:solidFill>
-                <a:latin typeface="微软雅黑" charset="0"/>
-                <a:ea typeface="微软雅黑" charset="0"/>
-              </a:rPr>
               <a:t>作为网站服务器</a:t>
             </a:r>
-            <a:endParaRPr lang="zh-CN" altLang="en-US" sz="1200" dirty="0">
+            <a:endParaRPr lang="zh-CN" altLang="en-US" sz="1600" dirty="0">
               <a:solidFill>
                 <a:srgbClr val="000000">
                   <a:lumMod val="50000"/>
@@ -13824,7 +13734,7 @@
         <p:spPr>
           <a:xfrm>
             <a:off x="959621" y="3549798"/>
-            <a:ext cx="6550312" cy="549061"/>
+            <a:ext cx="6550312" cy="732508"/>
           </a:xfrm>
           <a:prstGeom prst="rect">
             <a:avLst/>
@@ -13842,7 +13752,7 @@
               </a:lnSpc>
             </a:pPr>
             <a:r>
-              <a:rPr lang="zh-CN" altLang="en-US" sz="1200">
+              <a:rPr lang="zh-CN" altLang="en-US" sz="1600" dirty="0">
                 <a:solidFill>
                   <a:srgbClr val="000000">
                     <a:lumMod val="50000"/>
@@ -13855,7 +13765,7 @@
               <a:t>使用</a:t>
             </a:r>
             <a:r>
-              <a:rPr lang="en-US" altLang="zh-CN" sz="1200">
+              <a:rPr lang="en-US" altLang="zh-CN" sz="1600" dirty="0">
                 <a:solidFill>
                   <a:srgbClr val="000000">
                     <a:lumMod val="50000"/>
@@ -13868,7 +13778,7 @@
               <a:t>Struct2</a:t>
             </a:r>
             <a:r>
-              <a:rPr lang="zh-CN" altLang="en-US" sz="1200">
+              <a:rPr lang="zh-CN" altLang="en-US" sz="1600" dirty="0">
                 <a:solidFill>
                   <a:srgbClr val="000000">
                     <a:lumMod val="50000"/>
@@ -13881,7 +13791,7 @@
               <a:t>框架为控制器</a:t>
             </a:r>
             <a:r>
-              <a:rPr lang="en-US" altLang="zh-CN" sz="1200">
+              <a:rPr lang="en-US" altLang="zh-CN" sz="1600" dirty="0">
                 <a:solidFill>
                   <a:srgbClr val="000000">
                     <a:lumMod val="50000"/>
@@ -13894,7 +13804,7 @@
               <a:t>(Controller)</a:t>
             </a:r>
             <a:r>
-              <a:rPr lang="zh-CN" altLang="en-US" sz="1200">
+              <a:rPr lang="zh-CN" altLang="en-US" sz="1600" dirty="0">
                 <a:solidFill>
                   <a:srgbClr val="000000">
                     <a:lumMod val="50000"/>
@@ -13906,16 +13816,6 @@
               </a:rPr>
               <a:t>来建立模型与视图的数据交互。采用拦截器的机制来处理用户的请求。</a:t>
             </a:r>
-            <a:endParaRPr lang="zh-CN" altLang="en-US" sz="1200" dirty="0">
-              <a:solidFill>
-                <a:srgbClr val="000000">
-                  <a:lumMod val="50000"/>
-                  <a:lumOff val="50000"/>
-                </a:srgbClr>
-              </a:solidFill>
-              <a:latin typeface="微软雅黑" charset="0"/>
-              <a:ea typeface="微软雅黑" charset="0"/>
-            </a:endParaRPr>
           </a:p>
         </p:txBody>
       </p:sp>
@@ -13927,8 +13827,8 @@
         </p:nvSpPr>
         <p:spPr>
           <a:xfrm>
-            <a:off x="959621" y="4289114"/>
-            <a:ext cx="6550312" cy="308995"/>
+            <a:off x="959621" y="4585622"/>
+            <a:ext cx="6550312" cy="732508"/>
           </a:xfrm>
           <a:prstGeom prst="rect">
             <a:avLst/>
@@ -13946,7 +13846,7 @@
               </a:lnSpc>
             </a:pPr>
             <a:r>
-              <a:rPr lang="zh-CN" altLang="en-US" sz="1200" dirty="0" smtClean="0">
+              <a:rPr lang="zh-CN" altLang="en-US" sz="1600" dirty="0" smtClean="0">
                 <a:solidFill>
                   <a:srgbClr val="000000">
                     <a:lumMod val="50000"/>
@@ -13958,7 +13858,7 @@
               </a:rPr>
               <a:t>将前端网页和后台推荐引擎结合起来，将个性化音乐推荐列表呈现给用户</a:t>
             </a:r>
-            <a:endParaRPr lang="zh-CN" altLang="en-US" sz="1200" dirty="0">
+            <a:endParaRPr lang="zh-CN" altLang="en-US" sz="1600" dirty="0">
               <a:solidFill>
                 <a:srgbClr val="000000">
                   <a:lumMod val="50000"/>
@@ -13981,13 +13881,13 @@
   <p:clrMapOvr>
     <a:masterClrMapping/>
   </p:clrMapOvr>
-  <mc:AlternateContent xmlns:mc="http://schemas.openxmlformats.org/markup-compatibility/2006">
-    <mc:Choice xmlns:p14="http://schemas.microsoft.com/office/powerpoint/2010/main" Requires="p14">
+  <mc:AlternateContent xmlns:mc="http://schemas.openxmlformats.org/markup-compatibility/2006" xmlns:p14="http://schemas.microsoft.com/office/powerpoint/2010/main">
+    <mc:Choice Requires="p14">
       <p:transition spd="med" p14:dur="700">
         <p:fade/>
       </p:transition>
     </mc:Choice>
-    <mc:Fallback>
+    <mc:Fallback xmlns="">
       <p:transition spd="med">
         <p:fade/>
       </p:transition>
@@ -15001,13 +14901,6 @@
               </a:rPr>
               <a:t>西安电子科技大学</a:t>
             </a:r>
-            <a:endParaRPr lang="zh-CN" altLang="en-US" dirty="0">
-              <a:solidFill>
-                <a:srgbClr val="000000"/>
-              </a:solidFill>
-              <a:latin typeface="Segoe UI"/>
-              <a:ea typeface="微软雅黑"/>
-            </a:endParaRPr>
           </a:p>
         </p:txBody>
       </p:sp>
@@ -15189,11 +15082,7 @@
             </a:r>
             <a:r>
               <a:rPr kumimoji="1" lang="zh-CN" altLang="en-US" dirty="0" smtClean="0"/>
-              <a:t> </a:t>
-            </a:r>
-            <a:r>
-              <a:rPr kumimoji="1" lang="zh-CN" altLang="en-US" dirty="0" smtClean="0"/>
-              <a:t>总结展望</a:t>
+              <a:t> 总结展望</a:t>
             </a:r>
             <a:endParaRPr kumimoji="1" lang="zh-CN" altLang="en-US" dirty="0"/>
           </a:p>
@@ -15614,11 +15503,7 @@
             </a:r>
             <a:r>
               <a:rPr kumimoji="1" lang="zh-CN" altLang="en-US" dirty="0" smtClean="0"/>
-              <a:t> </a:t>
-            </a:r>
-            <a:r>
-              <a:rPr kumimoji="1" lang="zh-CN" altLang="en-US" dirty="0" smtClean="0"/>
-              <a:t>总结展望</a:t>
+              <a:t> 总结展望</a:t>
             </a:r>
             <a:endParaRPr kumimoji="1" lang="zh-CN" altLang="en-US" dirty="0"/>
           </a:p>
@@ -15655,13 +15540,6 @@
               </a:rPr>
               <a:t>总结</a:t>
             </a:r>
-            <a:endParaRPr lang="zh-CN" altLang="en-US" sz="2800" b="1" dirty="0">
-              <a:solidFill>
-                <a:srgbClr val="000000"/>
-              </a:solidFill>
-              <a:latin typeface="Segoe UI"/>
-              <a:ea typeface="微软雅黑"/>
-            </a:endParaRPr>
           </a:p>
         </p:txBody>
       </p:sp>
@@ -15673,8 +15551,8 @@
         </p:nvSpPr>
         <p:spPr>
           <a:xfrm>
-            <a:off x="959621" y="2810482"/>
-            <a:ext cx="6550312" cy="1772793"/>
+            <a:off x="959621" y="2739435"/>
+            <a:ext cx="6550312" cy="2973122"/>
           </a:xfrm>
           <a:prstGeom prst="rect">
             <a:avLst/>
@@ -15692,7 +15570,7 @@
               </a:lnSpc>
             </a:pPr>
             <a:r>
-              <a:rPr lang="zh-CN" altLang="en-US" sz="1200" dirty="0">
+              <a:rPr lang="zh-CN" altLang="en-US" sz="1600" dirty="0">
                 <a:solidFill>
                   <a:srgbClr val="000000">
                     <a:lumMod val="50000"/>
@@ -15705,7 +15583,7 @@
               <a:t>实时推荐系统是推荐领域中比较新颖的一种推荐手段，将传统的离线计算转化为实时计算，极大提高了用户的满意度和预测准确度，从根本上改变了传统推荐系统</a:t>
             </a:r>
             <a:r>
-              <a:rPr lang="zh-CN" altLang="en-US" sz="1200" dirty="0" smtClean="0">
+              <a:rPr lang="zh-CN" altLang="en-US" sz="1600" dirty="0" smtClean="0">
                 <a:solidFill>
                   <a:srgbClr val="000000">
                     <a:lumMod val="50000"/>
@@ -15718,7 +15596,7 @@
               <a:t>滞后推荐</a:t>
             </a:r>
             <a:r>
-              <a:rPr lang="zh-CN" altLang="en-US" sz="1200" dirty="0">
+              <a:rPr lang="zh-CN" altLang="en-US" sz="1600" dirty="0">
                 <a:solidFill>
                   <a:srgbClr val="000000">
                     <a:lumMod val="50000"/>
@@ -15731,7 +15609,7 @@
               <a:t>的状况。但是，实时推荐</a:t>
             </a:r>
             <a:r>
-              <a:rPr lang="zh-CN" altLang="en-US" sz="1200" dirty="0" smtClean="0">
+              <a:rPr lang="zh-CN" altLang="en-US" sz="1600" dirty="0" smtClean="0">
                 <a:solidFill>
                   <a:srgbClr val="000000">
                     <a:lumMod val="50000"/>
@@ -15744,7 +15622,7 @@
               <a:t>系统还</a:t>
             </a:r>
             <a:r>
-              <a:rPr lang="zh-CN" altLang="en-US" sz="1200" dirty="0">
+              <a:rPr lang="zh-CN" altLang="en-US" sz="1600" dirty="0">
                 <a:solidFill>
                   <a:srgbClr val="000000">
                     <a:lumMod val="50000"/>
@@ -15757,7 +15635,7 @@
               <a:t>处于不断发展的过程，还有诸多可以进一步完善的地方</a:t>
             </a:r>
             <a:r>
-              <a:rPr lang="zh-CN" altLang="en-US" sz="1200" dirty="0" smtClean="0">
+              <a:rPr lang="zh-CN" altLang="en-US" sz="1600" dirty="0" smtClean="0">
                 <a:solidFill>
                   <a:srgbClr val="000000">
                     <a:lumMod val="50000"/>
@@ -15770,7 +15648,7 @@
               <a:t>。本系统在流式处理框架</a:t>
             </a:r>
             <a:r>
-              <a:rPr lang="en-US" altLang="zh-CN" sz="1200" dirty="0" smtClean="0">
+              <a:rPr lang="en-US" altLang="zh-CN" sz="1600" dirty="0" smtClean="0">
                 <a:solidFill>
                   <a:srgbClr val="000000">
                     <a:lumMod val="50000"/>
@@ -15783,7 +15661,7 @@
               <a:t>Storm</a:t>
             </a:r>
             <a:r>
-              <a:rPr lang="zh-CN" altLang="en-US" sz="1200" dirty="0" smtClean="0">
+              <a:rPr lang="zh-CN" altLang="en-US" sz="1600" dirty="0" smtClean="0">
                 <a:solidFill>
                   <a:srgbClr val="000000">
                     <a:lumMod val="50000"/>
@@ -15796,7 +15674,7 @@
               <a:t>的基础上，</a:t>
             </a:r>
             <a:r>
-              <a:rPr lang="zh-CN" altLang="en-US" sz="1200" dirty="0">
+              <a:rPr lang="zh-CN" altLang="en-US" sz="1600" dirty="0">
                 <a:solidFill>
                   <a:srgbClr val="000000">
                     <a:lumMod val="50000"/>
@@ -15809,7 +15687,7 @@
               <a:t>首先了解了推荐系统及</a:t>
             </a:r>
             <a:r>
-              <a:rPr lang="en-US" altLang="zh-CN" sz="1200" dirty="0">
+              <a:rPr lang="en-US" altLang="zh-CN" sz="1600" dirty="0">
                 <a:solidFill>
                   <a:srgbClr val="000000">
                     <a:lumMod val="50000"/>
@@ -15822,7 +15700,7 @@
               <a:t>Storm</a:t>
             </a:r>
             <a:r>
-              <a:rPr lang="zh-CN" altLang="en-US" sz="1200" dirty="0">
+              <a:rPr lang="zh-CN" altLang="en-US" sz="1600" dirty="0">
                 <a:solidFill>
                   <a:srgbClr val="000000">
                     <a:lumMod val="50000"/>
@@ -15835,7 +15713,7 @@
               <a:t>的</a:t>
             </a:r>
             <a:r>
-              <a:rPr lang="zh-CN" altLang="en-US" sz="1200" dirty="0" smtClean="0">
+              <a:rPr lang="zh-CN" altLang="en-US" sz="1600" dirty="0" smtClean="0">
                 <a:solidFill>
                   <a:srgbClr val="000000">
                     <a:lumMod val="50000"/>
@@ -15848,7 +15726,7 @@
               <a:t>概念及工作原理、</a:t>
             </a:r>
             <a:r>
-              <a:rPr lang="zh-CN" altLang="en-US" sz="1200" dirty="0">
+              <a:rPr lang="zh-CN" altLang="en-US" sz="1600" dirty="0">
                 <a:solidFill>
                   <a:srgbClr val="000000">
                     <a:lumMod val="50000"/>
@@ -15860,16 +15738,6 @@
               </a:rPr>
               <a:t>不同类型的推荐算法以及它的优缺点。然后介绍了本项目所要部署推荐系统的设计目标、设计的功能模块与拓扑结构。接着，开始部署实现推荐系统，具体介绍了部署推荐过程的过程与要注意的细节。最后，对系统功能进行测试。</a:t>
             </a:r>
-            <a:endParaRPr lang="zh-CN" altLang="en-US" sz="1200" dirty="0">
-              <a:solidFill>
-                <a:srgbClr val="000000">
-                  <a:lumMod val="50000"/>
-                  <a:lumOff val="50000"/>
-                </a:srgbClr>
-              </a:solidFill>
-              <a:latin typeface="微软雅黑" charset="0"/>
-              <a:ea typeface="微软雅黑" charset="0"/>
-            </a:endParaRPr>
           </a:p>
         </p:txBody>
       </p:sp>
@@ -15883,13 +15751,13 @@
   <p:clrMapOvr>
     <a:masterClrMapping/>
   </p:clrMapOvr>
-  <mc:AlternateContent xmlns:mc="http://schemas.openxmlformats.org/markup-compatibility/2006">
-    <mc:Choice xmlns:p14="http://schemas.microsoft.com/office/powerpoint/2010/main" Requires="p14">
+  <mc:AlternateContent xmlns:mc="http://schemas.openxmlformats.org/markup-compatibility/2006" xmlns:p14="http://schemas.microsoft.com/office/powerpoint/2010/main">
+    <mc:Choice Requires="p14">
       <p:transition spd="med" p14:dur="700">
         <p:fade/>
       </p:transition>
     </mc:Choice>
-    <mc:Fallback>
+    <mc:Fallback xmlns="">
       <p:transition spd="med">
         <p:fade/>
       </p:transition>
@@ -15974,11 +15842,7 @@
             </a:r>
             <a:r>
               <a:rPr kumimoji="1" lang="zh-CN" altLang="en-US" dirty="0" smtClean="0"/>
-              <a:t> </a:t>
-            </a:r>
-            <a:r>
-              <a:rPr kumimoji="1" lang="zh-CN" altLang="en-US" dirty="0" smtClean="0"/>
-              <a:t>总结展望</a:t>
+              <a:t> 总结展望</a:t>
             </a:r>
             <a:endParaRPr kumimoji="1" lang="zh-CN" altLang="en-US" dirty="0"/>
           </a:p>
@@ -16649,8 +16513,8 @@
         </p:nvSpPr>
         <p:spPr>
           <a:xfrm>
-            <a:off x="6961426" y="432404"/>
-            <a:ext cx="4972680" cy="532453"/>
+            <a:off x="6961426" y="220133"/>
+            <a:ext cx="4972680" cy="932563"/>
           </a:xfrm>
           <a:prstGeom prst="rect">
             <a:avLst/>
@@ -16669,7 +16533,7 @@
               <a:defRPr/>
             </a:pPr>
             <a:r>
-              <a:rPr lang="zh-CN" altLang="en-US" sz="1100" kern="0" dirty="0">
+              <a:rPr lang="zh-CN" altLang="en-US" sz="1400" kern="0" dirty="0">
                 <a:solidFill>
                   <a:srgbClr val="000000">
                     <a:lumMod val="50000"/>
@@ -16681,7 +16545,7 @@
               </a:rPr>
               <a:t>由于实时性的要求，在线部分的计算要求不能过于复杂。不同的更新策略会有不同的推荐成功率，故应该继续优化好的更新策略，使得推荐更加准确。</a:t>
             </a:r>
-            <a:endParaRPr lang="zh-CN" altLang="en-US" sz="1100" kern="0" dirty="0" smtClean="0">
+            <a:endParaRPr lang="zh-CN" altLang="en-US" sz="1400" kern="0" dirty="0" smtClean="0">
               <a:solidFill>
                 <a:srgbClr val="000000">
                   <a:lumMod val="50000"/>
@@ -17012,8 +16876,8 @@
         </p:nvSpPr>
         <p:spPr>
           <a:xfrm>
-            <a:off x="6961426" y="2625613"/>
-            <a:ext cx="4972680" cy="752514"/>
+            <a:off x="6961426" y="2315712"/>
+            <a:ext cx="4972680" cy="1212640"/>
           </a:xfrm>
           <a:prstGeom prst="rect">
             <a:avLst/>
@@ -17032,7 +16896,7 @@
               <a:defRPr/>
             </a:pPr>
             <a:r>
-              <a:rPr lang="zh-CN" altLang="en-US" sz="1100" kern="0" dirty="0">
+              <a:rPr lang="zh-CN" altLang="en-US" sz="1400" kern="0" dirty="0">
                 <a:solidFill>
                   <a:srgbClr val="000000">
                     <a:lumMod val="50000"/>
@@ -17045,7 +16909,7 @@
               <a:t>系统中选择了基于物品的协同过滤算法，但不同的推荐算法有不同的优势，应该继续试验其他算法在系统中的推荐效率。同时可以考虑结合多种算法的优点，来使得推荐效果</a:t>
             </a:r>
             <a:r>
-              <a:rPr lang="zh-CN" altLang="en-US" sz="1100" kern="0" dirty="0" smtClean="0">
+              <a:rPr lang="zh-CN" altLang="en-US" sz="1400" kern="0" dirty="0" smtClean="0">
                 <a:solidFill>
                   <a:srgbClr val="000000">
                     <a:lumMod val="50000"/>
@@ -17057,16 +16921,6 @@
               </a:rPr>
               <a:t>更好。</a:t>
             </a:r>
-            <a:endParaRPr lang="zh-CN" altLang="en-US" sz="1100" kern="0" dirty="0" smtClean="0">
-              <a:solidFill>
-                <a:srgbClr val="000000">
-                  <a:lumMod val="50000"/>
-                  <a:lumOff val="50000"/>
-                </a:srgbClr>
-              </a:solidFill>
-              <a:latin typeface="微软雅黑" charset="0"/>
-              <a:ea typeface="微软雅黑" charset="0"/>
-            </a:endParaRPr>
           </a:p>
         </p:txBody>
       </p:sp>
@@ -17388,8 +17242,8 @@
         </p:nvSpPr>
         <p:spPr>
           <a:xfrm>
-            <a:off x="6961426" y="4809201"/>
-            <a:ext cx="4972680" cy="752514"/>
+            <a:off x="6961426" y="4605249"/>
+            <a:ext cx="4972680" cy="932563"/>
           </a:xfrm>
           <a:prstGeom prst="rect">
             <a:avLst/>
@@ -17408,7 +17262,7 @@
               <a:defRPr/>
             </a:pPr>
             <a:r>
-              <a:rPr lang="zh-CN" altLang="en-US" sz="1100" kern="0" dirty="0">
+              <a:rPr lang="zh-CN" altLang="en-US" sz="1400" kern="0" dirty="0">
                 <a:solidFill>
                   <a:srgbClr val="000000">
                     <a:lumMod val="50000"/>
@@ -17421,7 +17275,7 @@
               <a:t>现在系统基本是不可配置的，一个好的推荐系统应该是可以灵活配置的。后面将会增加数据库、相似度算法选择、</a:t>
             </a:r>
             <a:r>
-              <a:rPr lang="en-US" altLang="zh-CN" sz="1100" kern="0" dirty="0">
+              <a:rPr lang="en-US" altLang="zh-CN" sz="1400" kern="0" dirty="0">
                 <a:solidFill>
                   <a:srgbClr val="000000">
                     <a:lumMod val="50000"/>
@@ -17434,7 +17288,7 @@
               <a:t>Storm</a:t>
             </a:r>
             <a:r>
-              <a:rPr lang="zh-CN" altLang="en-US" sz="1100" kern="0" dirty="0">
+              <a:rPr lang="zh-CN" altLang="en-US" sz="1400" kern="0" dirty="0">
                 <a:solidFill>
                   <a:srgbClr val="000000">
                     <a:lumMod val="50000"/>
@@ -17447,7 +17301,7 @@
               <a:t>运行时的并行度等。使得系统</a:t>
             </a:r>
             <a:r>
-              <a:rPr lang="zh-CN" altLang="en-US" sz="1100" kern="0" dirty="0" smtClean="0">
+              <a:rPr lang="zh-CN" altLang="en-US" sz="1400" kern="0" dirty="0" smtClean="0">
                 <a:solidFill>
                   <a:srgbClr val="000000">
                     <a:lumMod val="50000"/>
@@ -17459,16 +17313,6 @@
               </a:rPr>
               <a:t>更加完善。</a:t>
             </a:r>
-            <a:endParaRPr lang="zh-CN" altLang="en-US" sz="1100" kern="0" dirty="0" smtClean="0">
-              <a:solidFill>
-                <a:srgbClr val="000000">
-                  <a:lumMod val="50000"/>
-                  <a:lumOff val="50000"/>
-                </a:srgbClr>
-              </a:solidFill>
-              <a:latin typeface="微软雅黑" charset="0"/>
-              <a:ea typeface="微软雅黑" charset="0"/>
-            </a:endParaRPr>
           </a:p>
         </p:txBody>
       </p:sp>
@@ -18118,7 +17962,6 @@
               <a:rPr kumimoji="1" lang="zh-CN" altLang="en-US" dirty="0"/>
               <a:t>致谢</a:t>
             </a:r>
-            <a:endParaRPr kumimoji="1" lang="zh-CN" altLang="en-US" dirty="0"/>
           </a:p>
         </p:txBody>
       </p:sp>
@@ -18283,7 +18126,6 @@
               <a:rPr kumimoji="1" lang="zh-CN" altLang="en-US" dirty="0"/>
               <a:t>致谢</a:t>
             </a:r>
-            <a:endParaRPr kumimoji="1" lang="zh-CN" altLang="en-US" dirty="0"/>
           </a:p>
         </p:txBody>
       </p:sp>
@@ -19391,10 +19233,10 @@
                 <a:latin typeface="微软雅黑" charset="0"/>
                 <a:ea typeface="微软雅黑" charset="0"/>
               </a:rPr>
-              <a:t>世纪是信息时代</a:t>
-            </a:r>
-            <a:r>
-              <a:rPr lang="zh-CN" altLang="en-US" sz="1200" dirty="0" smtClean="0">
+              <a:t>世纪是信息时代，</a:t>
+            </a:r>
+            <a:r>
+              <a:rPr lang="zh-CN" altLang="en-US" sz="1200" dirty="0">
                 <a:solidFill>
                   <a:srgbClr val="000000">
                     <a:lumMod val="50000"/>
@@ -19404,10 +19246,10 @@
                 <a:latin typeface="微软雅黑" charset="0"/>
                 <a:ea typeface="微软雅黑" charset="0"/>
               </a:rPr>
-              <a:t>，</a:t>
-            </a:r>
-            <a:r>
-              <a:rPr lang="zh-CN" altLang="en-US" sz="1200" dirty="0">
+              <a:t>互联网的迅速发展带来信息过载、数据量巨大问题。我们每天不得不接受大量的信息，而从中找出我们需要的、对自己有价值的数据却是不容易</a:t>
+            </a:r>
+            <a:r>
+              <a:rPr lang="zh-CN" altLang="en-US" sz="1200" dirty="0" smtClean="0">
                 <a:solidFill>
                   <a:srgbClr val="000000">
                     <a:lumMod val="50000"/>
@@ -19417,7 +19259,20 @@
                 <a:latin typeface="微软雅黑" charset="0"/>
                 <a:ea typeface="微软雅黑" charset="0"/>
               </a:rPr>
-              <a:t>互联网的迅速发展带来信息过载、数据量巨大问题。我们每天不得不接受大量的信息，而从中找出我们需要的、对自己有价值的数据却是不容易的</a:t>
+              <a:t>的</a:t>
+            </a:r>
+            <a:r>
+              <a:rPr lang="zh-CN" altLang="en-US" sz="1200" dirty="0">
+                <a:solidFill>
+                  <a:srgbClr val="000000">
+                    <a:lumMod val="50000"/>
+                    <a:lumOff val="50000"/>
+                  </a:srgbClr>
+                </a:solidFill>
+                <a:latin typeface="微软雅黑" charset="0"/>
+                <a:ea typeface="微软雅黑" charset="0"/>
+              </a:rPr>
+              <a:t>。</a:t>
             </a:r>
             <a:endParaRPr lang="zh-CN" altLang="en-US" sz="1200" dirty="0">
               <a:solidFill>
@@ -19770,7 +19625,33 @@
                 <a:latin typeface="微软雅黑" charset="0"/>
                 <a:ea typeface="微软雅黑" charset="0"/>
               </a:rPr>
-              <a:t>需要用户主动提供关键词来对海量信息进行筛选。当用户无法准确描述自己的需求时，搜索引擎的筛选效果将大打折扣，而用户将自己的需求和意图转化成关键词的过程本身就是一个并不轻松的过程</a:t>
+              <a:t>需要用户主动提供关键词来对海量信息进行筛选。当用户无法准确描述自己的需求时，搜索引擎的筛选效果将大打折扣，而用户将自己的需求和意图转化成关键词的过程本身就是一个并不轻松的</a:t>
+            </a:r>
+            <a:r>
+              <a:rPr lang="zh-CN" altLang="en-US" sz="1200" dirty="0" smtClean="0">
+                <a:solidFill>
+                  <a:srgbClr val="000000">
+                    <a:lumMod val="50000"/>
+                    <a:lumOff val="50000"/>
+                  </a:srgbClr>
+                </a:solidFill>
+                <a:latin typeface="微软雅黑" charset="0"/>
+                <a:ea typeface="微软雅黑" charset="0"/>
+              </a:rPr>
+              <a:t>过程</a:t>
+            </a:r>
+            <a:r>
+              <a:rPr lang="zh-CN" altLang="en-US" sz="1200" dirty="0">
+                <a:solidFill>
+                  <a:srgbClr val="000000">
+                    <a:lumMod val="50000"/>
+                    <a:lumOff val="50000"/>
+                  </a:srgbClr>
+                </a:solidFill>
+                <a:latin typeface="微软雅黑" charset="0"/>
+                <a:ea typeface="微软雅黑" charset="0"/>
+              </a:rPr>
+              <a:t>。</a:t>
             </a:r>
             <a:endParaRPr lang="zh-CN" altLang="en-US" sz="1200" dirty="0">
               <a:solidFill>
@@ -20139,7 +20020,7 @@
               <a:t>数据发挥</a:t>
             </a:r>
             <a:r>
-              <a:rPr lang="zh-CN" altLang="en-US" sz="1200" dirty="0">
+              <a:rPr lang="zh-CN" altLang="en-US" sz="1200" dirty="0" smtClean="0">
                 <a:solidFill>
                   <a:srgbClr val="000000">
                     <a:lumMod val="50000"/>
@@ -20149,7 +20030,7 @@
                 <a:latin typeface="微软雅黑" charset="0"/>
                 <a:ea typeface="微软雅黑" charset="0"/>
               </a:rPr>
-              <a:t>价值</a:t>
+              <a:t>价值。</a:t>
             </a:r>
             <a:endParaRPr lang="zh-CN" altLang="en-US" sz="1200" dirty="0">
               <a:solidFill>
@@ -20669,13 +20550,6 @@
               </a:rPr>
               <a:t>西安电子科技大学</a:t>
             </a:r>
-            <a:endParaRPr lang="zh-CN" altLang="en-US" dirty="0">
-              <a:solidFill>
-                <a:srgbClr val="000000"/>
-              </a:solidFill>
-              <a:latin typeface="Segoe UI"/>
-              <a:ea typeface="微软雅黑"/>
-            </a:endParaRPr>
           </a:p>
         </p:txBody>
       </p:sp>
@@ -20857,11 +20731,7 @@
             </a:r>
             <a:r>
               <a:rPr kumimoji="1" lang="zh-CN" altLang="en-US" dirty="0" smtClean="0"/>
-              <a:t> </a:t>
-            </a:r>
-            <a:r>
-              <a:rPr kumimoji="1" lang="zh-CN" altLang="en-US" dirty="0" smtClean="0"/>
-              <a:t>研究现状</a:t>
+              <a:t> 研究现状</a:t>
             </a:r>
             <a:endParaRPr kumimoji="1" lang="zh-CN" altLang="en-US" dirty="0"/>
           </a:p>
@@ -20957,7 +20827,7 @@
         <p:spPr>
           <a:xfrm>
             <a:off x="959621" y="2810482"/>
-            <a:ext cx="6550312" cy="308995"/>
+            <a:ext cx="6550312" cy="372410"/>
           </a:xfrm>
           <a:prstGeom prst="rect">
             <a:avLst/>
@@ -20975,7 +20845,7 @@
               </a:lnSpc>
             </a:pPr>
             <a:r>
-              <a:rPr lang="zh-CN" altLang="en-US" sz="1200" dirty="0">
+              <a:rPr lang="zh-CN" altLang="en-US" sz="1400" dirty="0">
                 <a:solidFill>
                   <a:srgbClr val="000000">
                     <a:lumMod val="50000"/>
@@ -20988,7 +20858,7 @@
               <a:t>在 </a:t>
             </a:r>
             <a:r>
-              <a:rPr lang="en-US" altLang="zh-CN" sz="1200" dirty="0">
+              <a:rPr lang="en-US" altLang="zh-CN" sz="1400" dirty="0">
                 <a:solidFill>
                   <a:srgbClr val="000000">
                     <a:lumMod val="50000"/>
@@ -21001,7 +20871,7 @@
               <a:t>1992 </a:t>
             </a:r>
             <a:r>
-              <a:rPr lang="zh-CN" altLang="en-US" sz="1200" dirty="0">
+              <a:rPr lang="zh-CN" altLang="en-US" sz="1400" dirty="0">
                 <a:solidFill>
                   <a:srgbClr val="000000">
                     <a:lumMod val="50000"/>
@@ -21011,9 +20881,22 @@
                 <a:latin typeface="微软雅黑" charset="0"/>
                 <a:ea typeface="微软雅黑" charset="0"/>
               </a:rPr>
-              <a:t>年，施乐的科学家为了解决信息负载的问题，第一次提出协同过滤算法</a:t>
-            </a:r>
-            <a:endParaRPr lang="zh-CN" altLang="en-US" sz="1200" dirty="0">
+              <a:t>年，施乐的科学家为了解决信息负载的问题，第一次提出协同过滤</a:t>
+            </a:r>
+            <a:r>
+              <a:rPr lang="zh-CN" altLang="en-US" sz="1400" dirty="0" smtClean="0">
+                <a:solidFill>
+                  <a:srgbClr val="000000">
+                    <a:lumMod val="50000"/>
+                    <a:lumOff val="50000"/>
+                  </a:srgbClr>
+                </a:solidFill>
+                <a:latin typeface="微软雅黑" charset="0"/>
+                <a:ea typeface="微软雅黑" charset="0"/>
+              </a:rPr>
+              <a:t>算法。</a:t>
+            </a:r>
+            <a:endParaRPr lang="zh-CN" altLang="en-US" sz="1400" dirty="0">
               <a:solidFill>
                 <a:srgbClr val="000000">
                   <a:lumMod val="50000"/>
@@ -21035,7 +20918,7 @@
         <p:spPr>
           <a:xfrm>
             <a:off x="959621" y="3549798"/>
-            <a:ext cx="6550312" cy="1052596"/>
+            <a:ext cx="6550312" cy="1212640"/>
           </a:xfrm>
           <a:prstGeom prst="rect">
             <a:avLst/>
@@ -21053,7 +20936,7 @@
               </a:lnSpc>
             </a:pPr>
             <a:r>
-              <a:rPr lang="zh-CN" altLang="en-US" sz="1200" dirty="0">
+              <a:rPr lang="zh-CN" altLang="en-US" sz="1400" dirty="0">
                 <a:solidFill>
                   <a:srgbClr val="000000">
                     <a:lumMod val="50000"/>
@@ -21066,7 +20949,7 @@
               <a:t>国内的研究主要研究推荐系统的理论和技术，主要是对一些推荐算法的研究，以及克服现在推荐系统存在的问题，比如过于专门化、新用户、稀疏、冷启动等问题</a:t>
             </a:r>
             <a:r>
-              <a:rPr lang="zh-CN" altLang="en-US" sz="1200" dirty="0" smtClean="0">
+              <a:rPr lang="zh-CN" altLang="en-US" sz="1400" dirty="0" smtClean="0">
                 <a:solidFill>
                   <a:srgbClr val="000000">
                     <a:lumMod val="50000"/>
@@ -21079,7 +20962,7 @@
               <a:t>。现在的推荐系统也加入数据挖掘的相关</a:t>
             </a:r>
             <a:r>
-              <a:rPr lang="zh-CN" altLang="en-US" sz="1200" dirty="0">
+              <a:rPr lang="zh-CN" altLang="en-US" sz="1400" dirty="0">
                 <a:solidFill>
                   <a:srgbClr val="000000">
                     <a:lumMod val="50000"/>
@@ -21092,7 +20975,7 @@
               <a:t>技术，比如利用神经网络和遗传</a:t>
             </a:r>
             <a:r>
-              <a:rPr lang="en-US" altLang="zh-CN" sz="1200" dirty="0">
+              <a:rPr lang="en-US" altLang="zh-CN" sz="1400" dirty="0">
                 <a:solidFill>
                   <a:srgbClr val="000000">
                     <a:lumMod val="50000"/>
@@ -21105,7 +20988,7 @@
               <a:t>K-means</a:t>
             </a:r>
             <a:r>
-              <a:rPr lang="zh-CN" altLang="en-US" sz="1200" dirty="0">
+              <a:rPr lang="zh-CN" altLang="en-US" sz="1400" dirty="0">
                 <a:solidFill>
                   <a:srgbClr val="000000">
                     <a:lumMod val="50000"/>
@@ -21115,9 +20998,22 @@
                 <a:latin typeface="微软雅黑" charset="0"/>
                 <a:ea typeface="微软雅黑" charset="0"/>
               </a:rPr>
-              <a:t>算法通过分析用户在电商网站的浏览路径来获取用户的偏好</a:t>
-            </a:r>
-            <a:endParaRPr lang="zh-CN" altLang="en-US" sz="1200" dirty="0">
+              <a:t>算法通过分析用户在电商网站的浏览路径来获取用户的</a:t>
+            </a:r>
+            <a:r>
+              <a:rPr lang="zh-CN" altLang="en-US" sz="1400" dirty="0" smtClean="0">
+                <a:solidFill>
+                  <a:srgbClr val="000000">
+                    <a:lumMod val="50000"/>
+                    <a:lumOff val="50000"/>
+                  </a:srgbClr>
+                </a:solidFill>
+                <a:latin typeface="微软雅黑" charset="0"/>
+                <a:ea typeface="微软雅黑" charset="0"/>
+              </a:rPr>
+              <a:t>偏好。</a:t>
+            </a:r>
+            <a:endParaRPr lang="zh-CN" altLang="en-US" sz="1400" dirty="0">
               <a:solidFill>
                 <a:srgbClr val="000000">
                   <a:lumMod val="50000"/>
@@ -21138,8 +21034,8 @@
         </p:nvSpPr>
         <p:spPr>
           <a:xfrm>
-            <a:off x="959621" y="4746483"/>
-            <a:ext cx="6550312" cy="789127"/>
+            <a:off x="959621" y="5126406"/>
+            <a:ext cx="6550312" cy="932563"/>
           </a:xfrm>
           <a:prstGeom prst="rect">
             <a:avLst/>
@@ -21157,7 +21053,7 @@
               </a:lnSpc>
             </a:pPr>
             <a:r>
-              <a:rPr lang="zh-CN" altLang="en-US" sz="1200" dirty="0">
+              <a:rPr lang="zh-CN" altLang="en-US" sz="1400" dirty="0">
                 <a:solidFill>
                   <a:srgbClr val="000000">
                     <a:lumMod val="50000"/>
@@ -21170,7 +21066,7 @@
               <a:t>国内的一些应用推荐系统的网站，电商方面主要有淘宝、京东、苏宁易购等。在音乐推荐上主要有豆瓣</a:t>
             </a:r>
             <a:r>
-              <a:rPr lang="en-US" altLang="zh-CN" sz="1200" dirty="0">
+              <a:rPr lang="en-US" altLang="zh-CN" sz="1400" dirty="0">
                 <a:solidFill>
                   <a:srgbClr val="000000">
                     <a:lumMod val="50000"/>
@@ -21183,7 +21079,7 @@
               <a:t>FM</a:t>
             </a:r>
             <a:r>
-              <a:rPr lang="zh-CN" altLang="en-US" sz="1200" dirty="0">
+              <a:rPr lang="zh-CN" altLang="en-US" sz="1400" dirty="0">
                 <a:solidFill>
                   <a:srgbClr val="000000">
                     <a:lumMod val="50000"/>
@@ -21195,16 +21091,6 @@
               </a:rPr>
               <a:t>、网易云音乐等，在电影推荐方面是要是一些视频网站，比如爱奇艺、优酷等。还有一些其他的个性化阅读方面的，比如今日头条。</a:t>
             </a:r>
-            <a:endParaRPr lang="zh-CN" altLang="en-US" sz="1200" dirty="0">
-              <a:solidFill>
-                <a:srgbClr val="000000">
-                  <a:lumMod val="50000"/>
-                  <a:lumOff val="50000"/>
-                </a:srgbClr>
-              </a:solidFill>
-              <a:latin typeface="微软雅黑" charset="0"/>
-              <a:ea typeface="微软雅黑" charset="0"/>
-            </a:endParaRPr>
           </a:p>
         </p:txBody>
       </p:sp>
@@ -24146,15 +24032,6 @@
               </a:rPr>
               <a:t>用户可以在不了解分布式底层细节的情况下，开发分布式程序。充分利用集群的威力进行高速运算和存储。</a:t>
             </a:r>
-            <a:endParaRPr lang="zh-CN" altLang="en-US" sz="1100" dirty="0">
-              <a:solidFill>
-                <a:srgbClr val="FFFFFF">
-                  <a:lumMod val="50000"/>
-                </a:srgbClr>
-              </a:solidFill>
-              <a:latin typeface="微软雅黑" charset="0"/>
-              <a:ea typeface="微软雅黑" charset="0"/>
-            </a:endParaRPr>
           </a:p>
         </p:txBody>
       </p:sp>
@@ -24321,15 +24198,6 @@
               </a:rPr>
               <a:t>月开源。 是一个通用的、分布式的、可扩展的、分区容错的、可插拔的流式系统</a:t>
             </a:r>
-            <a:endParaRPr lang="zh-CN" altLang="en-US" sz="1100" dirty="0">
-              <a:solidFill>
-                <a:srgbClr val="FFFFFF">
-                  <a:lumMod val="50000"/>
-                </a:srgbClr>
-              </a:solidFill>
-              <a:latin typeface="微软雅黑" charset="0"/>
-              <a:ea typeface="微软雅黑" charset="0"/>
-            </a:endParaRPr>
           </a:p>
         </p:txBody>
       </p:sp>
@@ -24472,15 +24340,6 @@
               </a:rPr>
               <a:t>倍</a:t>
             </a:r>
-            <a:endParaRPr lang="zh-CN" altLang="en-US" sz="1100" dirty="0">
-              <a:solidFill>
-                <a:srgbClr val="FFFFFF">
-                  <a:lumMod val="50000"/>
-                </a:srgbClr>
-              </a:solidFill>
-              <a:latin typeface="微软雅黑" charset="0"/>
-              <a:ea typeface="微软雅黑" charset="0"/>
-            </a:endParaRPr>
           </a:p>
         </p:txBody>
       </p:sp>
@@ -24707,15 +24566,6 @@
               </a:rPr>
               <a:t>不能实时计算的缺陷，设计出方便计算持续不断的实时流数据的系统</a:t>
             </a:r>
-            <a:endParaRPr lang="zh-CN" altLang="en-US" sz="1100" dirty="0">
-              <a:solidFill>
-                <a:srgbClr val="FFFFFF">
-                  <a:lumMod val="50000"/>
-                </a:srgbClr>
-              </a:solidFill>
-              <a:latin typeface="微软雅黑" charset="0"/>
-              <a:ea typeface="微软雅黑" charset="0"/>
-            </a:endParaRPr>
           </a:p>
         </p:txBody>
       </p:sp>
@@ -27177,9 +27027,9 @@
           <p:grpSpPr>
             <a:xfrm>
               <a:off x="749830" y="1184250"/>
-              <a:ext cx="2667248" cy="776977"/>
+              <a:ext cx="2667248" cy="816988"/>
               <a:chOff x="5638552" y="977900"/>
-              <a:chExt cx="2188812" cy="776977"/>
+              <a:chExt cx="2188812" cy="816988"/>
             </a:xfrm>
           </p:grpSpPr>
           <p:sp>
@@ -27238,7 +27088,7 @@
             <p:spPr>
               <a:xfrm>
                 <a:off x="5638552" y="1222424"/>
-                <a:ext cx="2188812" cy="532453"/>
+                <a:ext cx="2188812" cy="572464"/>
               </a:xfrm>
               <a:prstGeom prst="rect">
                 <a:avLst/>
@@ -27256,7 +27106,7 @@
                   </a:lnSpc>
                 </a:pPr>
                 <a:r>
-                  <a:rPr lang="zh-CN" altLang="en-US" sz="1100" dirty="0" smtClean="0">
+                  <a:rPr lang="zh-CN" altLang="en-US" sz="1200" dirty="0" smtClean="0">
                     <a:solidFill>
                       <a:srgbClr val="FFFFFF">
                         <a:lumMod val="50000"/>
@@ -27268,7 +27118,7 @@
                   <a:t>采用</a:t>
                 </a:r>
                 <a:r>
-                  <a:rPr lang="en-US" altLang="zh-CN" sz="1100" dirty="0" err="1" smtClean="0">
+                  <a:rPr lang="en-US" altLang="zh-CN" sz="1200" dirty="0" err="1" smtClean="0">
                     <a:solidFill>
                       <a:srgbClr val="FFFFFF">
                         <a:lumMod val="50000"/>
@@ -27280,7 +27130,7 @@
                   <a:t>IntelliJ</a:t>
                 </a:r>
                 <a:r>
-                  <a:rPr lang="en-US" altLang="zh-CN" sz="1100" dirty="0" smtClean="0">
+                  <a:rPr lang="en-US" altLang="zh-CN" sz="1200" dirty="0" smtClean="0">
                     <a:solidFill>
                       <a:srgbClr val="FFFFFF">
                         <a:lumMod val="50000"/>
@@ -27292,7 +27142,7 @@
                   <a:t> IDEA + </a:t>
                 </a:r>
                 <a:r>
-                  <a:rPr lang="en-US" altLang="zh-CN" sz="1100" dirty="0" err="1" smtClean="0">
+                  <a:rPr lang="en-US" altLang="zh-CN" sz="1200" dirty="0" err="1" smtClean="0">
                     <a:solidFill>
                       <a:srgbClr val="FFFFFF">
                         <a:lumMod val="50000"/>
@@ -27304,7 +27154,7 @@
                   <a:t>Git</a:t>
                 </a:r>
                 <a:r>
-                  <a:rPr lang="en-US" altLang="zh-CN" sz="1100" dirty="0" smtClean="0">
+                  <a:rPr lang="en-US" altLang="zh-CN" sz="1200" dirty="0" smtClean="0">
                     <a:solidFill>
                       <a:srgbClr val="FFFFFF">
                         <a:lumMod val="50000"/>
@@ -27316,7 +27166,7 @@
                   <a:t> + Maven</a:t>
                 </a:r>
                 <a:r>
-                  <a:rPr lang="zh-CN" altLang="en-US" sz="1100" dirty="0" smtClean="0">
+                  <a:rPr lang="zh-CN" altLang="en-US" sz="1200" dirty="0" smtClean="0">
                     <a:solidFill>
                       <a:srgbClr val="FFFFFF">
                         <a:lumMod val="50000"/>
@@ -27327,7 +27177,7 @@
                   </a:rPr>
                   <a:t>的方式进行项目管理。</a:t>
                 </a:r>
-                <a:endParaRPr lang="zh-CN" altLang="en-US" sz="1100" dirty="0">
+                <a:endParaRPr lang="zh-CN" altLang="en-US" sz="1200" dirty="0">
                   <a:solidFill>
                     <a:srgbClr val="FFFFFF">
                       <a:lumMod val="50000"/>
@@ -27416,9 +27266,9 @@
           <p:grpSpPr>
             <a:xfrm>
               <a:off x="749830" y="1184250"/>
-              <a:ext cx="2667248" cy="1217098"/>
+              <a:ext cx="2667248" cy="1297120"/>
               <a:chOff x="5638552" y="977900"/>
-              <a:chExt cx="2188812" cy="1217098"/>
+              <a:chExt cx="2188812" cy="1297120"/>
             </a:xfrm>
           </p:grpSpPr>
           <p:sp>
@@ -27477,7 +27327,7 @@
             <p:spPr>
               <a:xfrm>
                 <a:off x="5638552" y="1222424"/>
-                <a:ext cx="2188812" cy="972574"/>
+                <a:ext cx="2188812" cy="1052596"/>
               </a:xfrm>
               <a:prstGeom prst="rect">
                 <a:avLst/>
@@ -27495,7 +27345,7 @@
                   </a:lnSpc>
                 </a:pPr>
                 <a:r>
-                  <a:rPr lang="zh-CN" altLang="en-US" sz="1100" dirty="0" smtClean="0">
+                  <a:rPr lang="zh-CN" altLang="en-US" sz="1200" dirty="0" smtClean="0">
                     <a:solidFill>
                       <a:srgbClr val="FFFFFF">
                         <a:lumMod val="50000"/>
@@ -27507,7 +27357,7 @@
                   <a:t>设计用户在</a:t>
                 </a:r>
                 <a:r>
-                  <a:rPr lang="en-US" altLang="zh-CN" sz="1100" dirty="0" smtClean="0">
+                  <a:rPr lang="en-US" altLang="zh-CN" sz="1200" dirty="0" smtClean="0">
                     <a:solidFill>
                       <a:srgbClr val="FFFFFF">
                         <a:lumMod val="50000"/>
@@ -27519,7 +27369,7 @@
                   <a:t>MySQL</a:t>
                 </a:r>
                 <a:r>
-                  <a:rPr lang="zh-CN" altLang="en-US" sz="1100" dirty="0" smtClean="0">
+                  <a:rPr lang="zh-CN" altLang="en-US" sz="1200" dirty="0" smtClean="0">
                     <a:solidFill>
                       <a:srgbClr val="FFFFFF">
                         <a:lumMod val="50000"/>
@@ -27531,7 +27381,7 @@
                   <a:t>的用户信息表，音乐歌曲的信息表。用户在</a:t>
                 </a:r>
                 <a:r>
-                  <a:rPr lang="en-US" altLang="zh-CN" sz="1100" dirty="0" err="1" smtClean="0">
+                  <a:rPr lang="en-US" altLang="zh-CN" sz="1200" dirty="0" err="1" smtClean="0">
                     <a:solidFill>
                       <a:srgbClr val="FFFFFF">
                         <a:lumMod val="50000"/>
@@ -27543,7 +27393,7 @@
                   <a:t>Hbase</a:t>
                 </a:r>
                 <a:r>
-                  <a:rPr lang="zh-CN" altLang="en-US" sz="1100" dirty="0" smtClean="0">
+                  <a:rPr lang="zh-CN" altLang="en-US" sz="1200" dirty="0" smtClean="0">
                     <a:solidFill>
                       <a:srgbClr val="FFFFFF">
                         <a:lumMod val="50000"/>
@@ -27555,7 +27405,7 @@
                   <a:t>里面的浏览行为表，</a:t>
                 </a:r>
                 <a:r>
-                  <a:rPr lang="en-US" altLang="zh-CN" sz="1100" dirty="0" err="1" smtClean="0">
+                  <a:rPr lang="en-US" altLang="zh-CN" sz="1200" dirty="0" err="1" smtClean="0">
                     <a:solidFill>
                       <a:srgbClr val="FFFFFF">
                         <a:lumMod val="50000"/>
@@ -27567,7 +27417,7 @@
                   <a:t>Redis</a:t>
                 </a:r>
                 <a:r>
-                  <a:rPr lang="zh-CN" altLang="en-US" sz="1100" dirty="0" smtClean="0">
+                  <a:rPr lang="zh-CN" altLang="en-US" sz="1200" dirty="0" smtClean="0">
                     <a:solidFill>
                       <a:srgbClr val="FFFFFF">
                         <a:lumMod val="50000"/>
@@ -27578,7 +27428,7 @@
                   </a:rPr>
                   <a:t>中的缓存队列，个性化推荐列表。</a:t>
                 </a:r>
-                <a:endParaRPr lang="zh-CN" altLang="en-US" sz="1100" dirty="0">
+                <a:endParaRPr lang="zh-CN" altLang="en-US" sz="1200" dirty="0">
                   <a:solidFill>
                     <a:srgbClr val="FFFFFF">
                       <a:lumMod val="50000"/>
@@ -27667,9 +27517,9 @@
           <p:grpSpPr>
             <a:xfrm>
               <a:off x="749830" y="1184250"/>
-              <a:ext cx="2667248" cy="1217098"/>
+              <a:ext cx="2667248" cy="1297120"/>
               <a:chOff x="5638552" y="977900"/>
-              <a:chExt cx="2188812" cy="1217098"/>
+              <a:chExt cx="2188812" cy="1297120"/>
             </a:xfrm>
           </p:grpSpPr>
           <p:sp>
@@ -27728,7 +27578,7 @@
             <p:spPr>
               <a:xfrm>
                 <a:off x="5638552" y="1222424"/>
-                <a:ext cx="2188812" cy="972574"/>
+                <a:ext cx="2188812" cy="1052596"/>
               </a:xfrm>
               <a:prstGeom prst="rect">
                 <a:avLst/>
@@ -27746,7 +27596,7 @@
                   </a:lnSpc>
                 </a:pPr>
                 <a:r>
-                  <a:rPr lang="zh-CN" altLang="en-US" sz="1100" dirty="0" smtClean="0">
+                  <a:rPr lang="zh-CN" altLang="en-US" sz="1200" dirty="0" smtClean="0">
                     <a:solidFill>
                       <a:srgbClr val="FFFFFF">
                         <a:lumMod val="50000"/>
@@ -27758,7 +27608,7 @@
                   <a:t>设计前端与用户交互的界面，采用</a:t>
                 </a:r>
                 <a:r>
-                  <a:rPr lang="en-US" altLang="zh-CN" sz="1100" dirty="0" smtClean="0">
+                  <a:rPr lang="en-US" altLang="zh-CN" sz="1200" dirty="0" smtClean="0">
                     <a:solidFill>
                       <a:srgbClr val="FFFFFF">
                         <a:lumMod val="50000"/>
@@ -27770,6 +27620,18 @@
                   <a:t>Bootstrap</a:t>
                 </a:r>
                 <a:r>
+                  <a:rPr lang="zh-CN" altLang="en-US" sz="1200" dirty="0" smtClean="0">
+                    <a:solidFill>
+                      <a:srgbClr val="FFFFFF">
+                        <a:lumMod val="50000"/>
+                      </a:srgbClr>
+                    </a:solidFill>
+                    <a:latin typeface="微软雅黑" charset="0"/>
+                    <a:ea typeface="微软雅黑" charset="0"/>
+                  </a:rPr>
+                  <a:t>框架进行编写，主要是用户注册界面，用户登录界面，音乐播放主界面以及兼容性问题解决</a:t>
+                </a:r>
+                <a:r>
                   <a:rPr lang="zh-CN" altLang="en-US" sz="1100" dirty="0" smtClean="0">
                     <a:solidFill>
                       <a:srgbClr val="FFFFFF">
@@ -27779,7 +27641,7 @@
                     <a:latin typeface="微软雅黑" charset="0"/>
                     <a:ea typeface="微软雅黑" charset="0"/>
                   </a:rPr>
-                  <a:t>框架进行编写，主要是用户注册界面，用户登录界面，音乐播放主界面以及兼容性问题解决。</a:t>
+                  <a:t>。</a:t>
                 </a:r>
                 <a:endParaRPr lang="zh-CN" altLang="en-US" sz="1100" dirty="0">
                   <a:solidFill>
@@ -27870,9 +27732,9 @@
           <p:grpSpPr>
             <a:xfrm>
               <a:off x="749830" y="1184250"/>
-              <a:ext cx="2667248" cy="997038"/>
+              <a:ext cx="2667248" cy="1057054"/>
               <a:chOff x="5638552" y="977900"/>
-              <a:chExt cx="2188812" cy="997038"/>
+              <a:chExt cx="2188812" cy="1057054"/>
             </a:xfrm>
           </p:grpSpPr>
           <p:sp>
@@ -27931,7 +27793,7 @@
             <p:spPr>
               <a:xfrm>
                 <a:off x="5638552" y="1222424"/>
-                <a:ext cx="2188812" cy="752514"/>
+                <a:ext cx="2188812" cy="812530"/>
               </a:xfrm>
               <a:prstGeom prst="rect">
                 <a:avLst/>
@@ -27949,7 +27811,7 @@
                   </a:lnSpc>
                 </a:pPr>
                 <a:r>
-                  <a:rPr lang="zh-CN" altLang="en-US" sz="1100" dirty="0" smtClean="0">
+                  <a:rPr lang="zh-CN" altLang="en-US" sz="1200" dirty="0" smtClean="0">
                     <a:solidFill>
                       <a:srgbClr val="FFFFFF">
                         <a:lumMod val="50000"/>
@@ -27960,7 +27822,7 @@
                   </a:rPr>
                   <a:t>音乐推荐算法设计，包括对用户进行建模，对音乐进行建模，以及实时更新相似度矩阵等</a:t>
                 </a:r>
-                <a:endParaRPr lang="zh-CN" altLang="en-US" sz="1100" dirty="0">
+                <a:endParaRPr lang="zh-CN" altLang="en-US" sz="1200" dirty="0">
                   <a:solidFill>
                     <a:srgbClr val="FFFFFF">
                       <a:lumMod val="50000"/>
@@ -28049,9 +27911,9 @@
           <p:grpSpPr>
             <a:xfrm>
               <a:off x="749830" y="1184250"/>
-              <a:ext cx="2667248" cy="997038"/>
+              <a:ext cx="2667248" cy="1057054"/>
               <a:chOff x="5638552" y="977900"/>
-              <a:chExt cx="2188812" cy="997038"/>
+              <a:chExt cx="2188812" cy="1057054"/>
             </a:xfrm>
           </p:grpSpPr>
           <p:sp>
@@ -28110,7 +27972,7 @@
             <p:spPr>
               <a:xfrm>
                 <a:off x="5638552" y="1222424"/>
-                <a:ext cx="2188812" cy="752514"/>
+                <a:ext cx="2188812" cy="812530"/>
               </a:xfrm>
               <a:prstGeom prst="rect">
                 <a:avLst/>
@@ -28128,7 +27990,7 @@
                   </a:lnSpc>
                 </a:pPr>
                 <a:r>
-                  <a:rPr lang="zh-CN" altLang="en-US" sz="1100" dirty="0" smtClean="0">
+                  <a:rPr lang="zh-CN" altLang="en-US" sz="1200" dirty="0" smtClean="0">
                     <a:solidFill>
                       <a:srgbClr val="FFFFFF">
                         <a:lumMod val="50000"/>
@@ -28140,7 +28002,7 @@
                   <a:t>在</a:t>
                 </a:r>
                 <a:r>
-                  <a:rPr lang="en-US" altLang="zh-CN" sz="1100" dirty="0" smtClean="0">
+                  <a:rPr lang="en-US" altLang="zh-CN" sz="1200" dirty="0" smtClean="0">
                     <a:solidFill>
                       <a:srgbClr val="FFFFFF">
                         <a:lumMod val="50000"/>
@@ -28152,7 +28014,7 @@
                   <a:t>Storm</a:t>
                 </a:r>
                 <a:r>
-                  <a:rPr lang="zh-CN" altLang="en-US" sz="1100" dirty="0" smtClean="0">
+                  <a:rPr lang="zh-CN" altLang="en-US" sz="1200" dirty="0" smtClean="0">
                     <a:solidFill>
                       <a:srgbClr val="FFFFFF">
                         <a:lumMod val="50000"/>
@@ -28164,7 +28026,7 @@
                   <a:t>上运行的程序叫拓扑，设计消息源，设计</a:t>
                 </a:r>
                 <a:r>
-                  <a:rPr lang="en-US" altLang="zh-CN" sz="1100" dirty="0" smtClean="0">
+                  <a:rPr lang="en-US" altLang="zh-CN" sz="1200" dirty="0" smtClean="0">
                     <a:solidFill>
                       <a:srgbClr val="FFFFFF">
                         <a:lumMod val="50000"/>
@@ -28176,7 +28038,7 @@
                   <a:t>Spout</a:t>
                 </a:r>
                 <a:r>
-                  <a:rPr lang="zh-CN" altLang="en-US" sz="1100" dirty="0" smtClean="0">
+                  <a:rPr lang="zh-CN" altLang="en-US" sz="1200" dirty="0" smtClean="0">
                     <a:solidFill>
                       <a:srgbClr val="FFFFFF">
                         <a:lumMod val="50000"/>
@@ -28188,7 +28050,7 @@
                   <a:t>和</a:t>
                 </a:r>
                 <a:r>
-                  <a:rPr lang="en-US" altLang="zh-CN" sz="1100" dirty="0" smtClean="0">
+                  <a:rPr lang="en-US" altLang="zh-CN" sz="1200" dirty="0" smtClean="0">
                     <a:solidFill>
                       <a:srgbClr val="FFFFFF">
                         <a:lumMod val="50000"/>
@@ -28200,7 +28062,7 @@
                   <a:t>Bolt</a:t>
                 </a:r>
                 <a:r>
-                  <a:rPr lang="zh-CN" altLang="en-US" sz="1100" dirty="0" smtClean="0">
+                  <a:rPr lang="zh-CN" altLang="en-US" sz="1200" dirty="0" smtClean="0">
                     <a:solidFill>
                       <a:srgbClr val="FFFFFF">
                         <a:lumMod val="50000"/>
@@ -28211,7 +28073,7 @@
                   </a:rPr>
                   <a:t>，以及在其中的消息流的方式。</a:t>
                 </a:r>
-                <a:endParaRPr lang="zh-CN" altLang="en-US" sz="1100" dirty="0">
+                <a:endParaRPr lang="zh-CN" altLang="en-US" sz="1200" dirty="0">
                   <a:solidFill>
                     <a:srgbClr val="FFFFFF">
                       <a:lumMod val="50000"/>
